--- a/Presentation.pptx
+++ b/Presentation.pptx
@@ -118,6 +118,11 @@
       </a:defRPr>
     </a:lvl9pPr>
   </p:defaultTextStyle>
+  <p:extLst>
+    <p:ext uri="{EFAFB233-063F-42B5-8137-9DF3F51BA10A}">
+      <p15:sldGuideLst xmlns:p15="http://schemas.microsoft.com/office/powerpoint/2012/main"/>
+    </p:ext>
+  </p:extLst>
 </p:presentation>
 </file>
 
@@ -216,7 +221,7 @@
           <a:effectLst/>
           <a:extLst>
             <a:ext uri="{91240B29-F687-4f45-9708-019B960494DF}">
-              <a14:hiddenLine xmlns:a14="http://schemas.microsoft.com/office/drawing/2010/main" xmlns="" w="9525">
+              <a14:hiddenLine xmlns="" xmlns:a14="http://schemas.microsoft.com/office/drawing/2010/main" w="9525">
                 <a:solidFill>
                   <a:srgbClr val="000000"/>
                 </a:solidFill>
@@ -408,7 +413,7 @@
           <a:p>
             <a:fld id="{63EA3132-7DB4-4C12-B46E-7F4197350994}" type="datetimeFigureOut">
               <a:rPr lang="ru-RU" smtClean="0"/>
-              <a:t>20.06.2024</a:t>
+              <a:t>22.06.2024</a:t>
             </a:fld>
             <a:endParaRPr lang="ru-RU"/>
           </a:p>
@@ -726,7 +731,7 @@
           <a:p>
             <a:fld id="{63EA3132-7DB4-4C12-B46E-7F4197350994}" type="datetimeFigureOut">
               <a:rPr lang="ru-RU" smtClean="0"/>
-              <a:t>20.06.2024</a:t>
+              <a:t>22.06.2024</a:t>
             </a:fld>
             <a:endParaRPr lang="ru-RU"/>
           </a:p>
@@ -1214,7 +1219,7 @@
           <a:p>
             <a:fld id="{63EA3132-7DB4-4C12-B46E-7F4197350994}" type="datetimeFigureOut">
               <a:rPr lang="ru-RU" smtClean="0"/>
-              <a:t>20.06.2024</a:t>
+              <a:t>22.06.2024</a:t>
             </a:fld>
             <a:endParaRPr lang="ru-RU"/>
           </a:p>
@@ -1583,7 +1588,7 @@
           <a:p>
             <a:fld id="{63EA3132-7DB4-4C12-B46E-7F4197350994}" type="datetimeFigureOut">
               <a:rPr lang="ru-RU" smtClean="0"/>
-              <a:t>20.06.2024</a:t>
+              <a:t>22.06.2024</a:t>
             </a:fld>
             <a:endParaRPr lang="ru-RU"/>
           </a:p>
@@ -1738,7 +1743,7 @@
           <a:ln/>
           <a:extLst>
             <a:ext uri="{91240B29-F687-4f45-9708-019B960494DF}">
-              <a14:hiddenLine xmlns:a14="http://schemas.microsoft.com/office/drawing/2010/main" xmlns="" w="9525">
+              <a14:hiddenLine xmlns="" xmlns:a14="http://schemas.microsoft.com/office/drawing/2010/main" w="9525">
                 <a:solidFill>
                   <a:srgbClr val="000000"/>
                 </a:solidFill>
@@ -1856,7 +1861,7 @@
           <a:p>
             <a:fld id="{63EA3132-7DB4-4C12-B46E-7F4197350994}" type="datetimeFigureOut">
               <a:rPr lang="ru-RU" smtClean="0"/>
-              <a:t>20.06.2024</a:t>
+              <a:t>22.06.2024</a:t>
             </a:fld>
             <a:endParaRPr lang="ru-RU"/>
           </a:p>
@@ -2013,7 +2018,7 @@
           <a:ln/>
           <a:extLst>
             <a:ext uri="{91240B29-F687-4f45-9708-019B960494DF}">
-              <a14:hiddenLine xmlns:a14="http://schemas.microsoft.com/office/drawing/2010/main" xmlns="" w="9525">
+              <a14:hiddenLine xmlns="" xmlns:a14="http://schemas.microsoft.com/office/drawing/2010/main" w="9525">
                 <a:solidFill>
                   <a:srgbClr val="000000"/>
                 </a:solidFill>
@@ -2141,7 +2146,7 @@
           <a:p>
             <a:fld id="{63EA3132-7DB4-4C12-B46E-7F4197350994}" type="datetimeFigureOut">
               <a:rPr lang="ru-RU" smtClean="0"/>
-              <a:t>20.06.2024</a:t>
+              <a:t>22.06.2024</a:t>
             </a:fld>
             <a:endParaRPr lang="ru-RU"/>
           </a:p>
@@ -2296,7 +2301,7 @@
           <a:ln/>
           <a:extLst>
             <a:ext uri="{91240B29-F687-4f45-9708-019B960494DF}">
-              <a14:hiddenLine xmlns:a14="http://schemas.microsoft.com/office/drawing/2010/main" xmlns="" w="9525">
+              <a14:hiddenLine xmlns="" xmlns:a14="http://schemas.microsoft.com/office/drawing/2010/main" w="9525">
                 <a:solidFill>
                   <a:srgbClr val="000000"/>
                 </a:solidFill>
@@ -2424,7 +2429,7 @@
           <a:p>
             <a:fld id="{63EA3132-7DB4-4C12-B46E-7F4197350994}" type="datetimeFigureOut">
               <a:rPr lang="ru-RU" smtClean="0"/>
-              <a:t>20.06.2024</a:t>
+              <a:t>22.06.2024</a:t>
             </a:fld>
             <a:endParaRPr lang="ru-RU"/>
           </a:p>
@@ -2767,7 +2772,7 @@
           <a:p>
             <a:fld id="{63EA3132-7DB4-4C12-B46E-7F4197350994}" type="datetimeFigureOut">
               <a:rPr lang="ru-RU" smtClean="0"/>
-              <a:t>20.06.2024</a:t>
+              <a:t>22.06.2024</a:t>
             </a:fld>
             <a:endParaRPr lang="ru-RU"/>
           </a:p>
@@ -2922,7 +2927,7 @@
           <a:ln/>
           <a:extLst>
             <a:ext uri="{91240B29-F687-4f45-9708-019B960494DF}">
-              <a14:hiddenLine xmlns:a14="http://schemas.microsoft.com/office/drawing/2010/main" xmlns="" w="9525">
+              <a14:hiddenLine xmlns="" xmlns:a14="http://schemas.microsoft.com/office/drawing/2010/main" w="9525">
                 <a:solidFill>
                   <a:srgbClr val="000000"/>
                 </a:solidFill>
@@ -3106,7 +3111,7 @@
           <a:p>
             <a:fld id="{63EA3132-7DB4-4C12-B46E-7F4197350994}" type="datetimeFigureOut">
               <a:rPr lang="ru-RU" smtClean="0"/>
-              <a:t>20.06.2024</a:t>
+              <a:t>22.06.2024</a:t>
             </a:fld>
             <a:endParaRPr lang="ru-RU"/>
           </a:p>
@@ -3261,7 +3266,7 @@
           <a:ln/>
           <a:extLst>
             <a:ext uri="{91240B29-F687-4f45-9708-019B960494DF}">
-              <a14:hiddenLine xmlns:a14="http://schemas.microsoft.com/office/drawing/2010/main" xmlns="" w="9525">
+              <a14:hiddenLine xmlns="" xmlns:a14="http://schemas.microsoft.com/office/drawing/2010/main" w="9525">
                 <a:solidFill>
                   <a:srgbClr val="000000"/>
                 </a:solidFill>
@@ -3583,7 +3588,7 @@
           <a:p>
             <a:fld id="{63EA3132-7DB4-4C12-B46E-7F4197350994}" type="datetimeFigureOut">
               <a:rPr lang="ru-RU" smtClean="0"/>
-              <a:t>20.06.2024</a:t>
+              <a:t>22.06.2024</a:t>
             </a:fld>
             <a:endParaRPr lang="ru-RU"/>
           </a:p>
@@ -3738,7 +3743,7 @@
           <a:ln/>
           <a:extLst>
             <a:ext uri="{91240B29-F687-4f45-9708-019B960494DF}">
-              <a14:hiddenLine xmlns:a14="http://schemas.microsoft.com/office/drawing/2010/main" xmlns="" w="9525">
+              <a14:hiddenLine xmlns="" xmlns:a14="http://schemas.microsoft.com/office/drawing/2010/main" w="9525">
                 <a:solidFill>
                   <a:srgbClr val="000000"/>
                 </a:solidFill>
@@ -3804,7 +3809,7 @@
           <a:p>
             <a:fld id="{63EA3132-7DB4-4C12-B46E-7F4197350994}" type="datetimeFigureOut">
               <a:rPr lang="ru-RU" smtClean="0"/>
-              <a:t>20.06.2024</a:t>
+              <a:t>22.06.2024</a:t>
             </a:fld>
             <a:endParaRPr lang="ru-RU"/>
           </a:p>
@@ -3899,7 +3904,7 @@
           <a:p>
             <a:fld id="{63EA3132-7DB4-4C12-B46E-7F4197350994}" type="datetimeFigureOut">
               <a:rPr lang="ru-RU" smtClean="0"/>
-              <a:t>20.06.2024</a:t>
+              <a:t>22.06.2024</a:t>
             </a:fld>
             <a:endParaRPr lang="ru-RU"/>
           </a:p>
@@ -4167,7 +4172,7 @@
           <a:ln/>
           <a:extLst>
             <a:ext uri="{91240B29-F687-4f45-9708-019B960494DF}">
-              <a14:hiddenLine xmlns:a14="http://schemas.microsoft.com/office/drawing/2010/main" xmlns="" w="9525">
+              <a14:hiddenLine xmlns="" xmlns:a14="http://schemas.microsoft.com/office/drawing/2010/main" w="9525">
                 <a:solidFill>
                   <a:srgbClr val="000000"/>
                 </a:solidFill>
@@ -4366,7 +4371,7 @@
           <a:p>
             <a:fld id="{63EA3132-7DB4-4C12-B46E-7F4197350994}" type="datetimeFigureOut">
               <a:rPr lang="ru-RU" smtClean="0"/>
-              <a:t>20.06.2024</a:t>
+              <a:t>22.06.2024</a:t>
             </a:fld>
             <a:endParaRPr lang="ru-RU"/>
           </a:p>
@@ -4679,7 +4684,7 @@
           <a:p>
             <a:fld id="{63EA3132-7DB4-4C12-B46E-7F4197350994}" type="datetimeFigureOut">
               <a:rPr lang="ru-RU" smtClean="0"/>
-              <a:t>20.06.2024</a:t>
+              <a:t>22.06.2024</a:t>
             </a:fld>
             <a:endParaRPr lang="ru-RU"/>
           </a:p>
@@ -4949,7 +4954,7 @@
           <a:p>
             <a:fld id="{63EA3132-7DB4-4C12-B46E-7F4197350994}" type="datetimeFigureOut">
               <a:rPr lang="ru-RU" smtClean="0"/>
-              <a:t>20.06.2024</a:t>
+              <a:t>22.06.2024</a:t>
             </a:fld>
             <a:endParaRPr lang="ru-RU"/>
           </a:p>
@@ -6444,13 +6449,13 @@
   <p:clrMapOvr>
     <a:masterClrMapping/>
   </p:clrMapOvr>
-  <mc:AlternateContent xmlns:mc="http://schemas.openxmlformats.org/markup-compatibility/2006">
-    <mc:Choice xmlns:p159="http://schemas.microsoft.com/office/powerpoint/2015/09/main" Requires="p159">
+  <mc:AlternateContent xmlns:mc="http://schemas.openxmlformats.org/markup-compatibility/2006" xmlns:p159="http://schemas.microsoft.com/office/powerpoint/2015/09/main">
+    <mc:Choice Requires="p159">
       <p:transition xmlns:p14="http://schemas.microsoft.com/office/powerpoint/2010/main" spd="slow" p14:dur="2000">
         <p159:morph option="byObject"/>
       </p:transition>
     </mc:Choice>
-    <mc:Fallback>
+    <mc:Fallback xmlns="">
       <p:transition spd="slow">
         <p:fade/>
       </p:transition>
@@ -8547,9 +8552,6 @@
               <a:ext uri="{28A0092B-C50C-407E-A947-70E740481C1C}">
                 <a14:useLocalDpi xmlns:a14="http://schemas.microsoft.com/office/drawing/2010/main" val="0"/>
               </a:ext>
-              <a:ext uri="{96DAC541-7B7A-43D3-8B79-37D633B846F1}">
-                <asvg:svgBlip xmlns:asvg="http://schemas.microsoft.com/office/drawing/2016/SVG/main" r:embed="rId6"/>
-              </a:ext>
             </a:extLst>
           </a:blip>
           <a:srcRect/>
@@ -8557,8 +8559,8 @@
         </p:blipFill>
         <p:spPr>
           <a:xfrm>
-            <a:off x="3219077" y="-77003"/>
-            <a:ext cx="5241529" cy="6858000"/>
+            <a:off x="3176335" y="-1"/>
+            <a:ext cx="5008878" cy="6780997"/>
           </a:xfrm>
           <a:prstGeom prst="rect">
             <a:avLst/>
@@ -8580,7 +8582,7 @@
         <p:spPr>
           <a:xfrm>
             <a:off x="3176337" y="0"/>
-            <a:ext cx="5376496" cy="6780997"/>
+            <a:ext cx="5008876" cy="6780997"/>
           </a:xfrm>
           <a:prstGeom prst="rect">
             <a:avLst/>
